--- a/Presentatie.pptx
+++ b/Presentatie.pptx
@@ -3371,7 +3371,7 @@
           <a:p>
             <a:r>
               <a:rPr lang="nl-BE" dirty="0"/>
-              <a:t>Vragen?</a:t>
+              <a:t>Demo</a:t>
             </a:r>
             <a:endParaRPr lang="en-US" dirty="0"/>
           </a:p>
@@ -3392,7 +3392,7 @@
           <a:bodyPr/>
           <a:lstStyle/>
           <a:p>
-            <a:endParaRPr lang="en-US"/>
+            <a:endParaRPr lang="en-US" dirty="0"/>
           </a:p>
         </p:txBody>
       </p:sp>
